--- a/presentation/PresentAPIFinal.pptx
+++ b/presentation/PresentAPIFinal.pptx
@@ -5,7 +5,7 @@
     <p:sldMasterId id="2147483672" r:id="rId1"/>
   </p:sldMasterIdLst>
   <p:notesMasterIdLst>
-    <p:notesMasterId r:id="rId10"/>
+    <p:notesMasterId r:id="rId11"/>
   </p:notesMasterIdLst>
   <p:sldIdLst>
     <p:sldId id="256" r:id="rId2"/>
@@ -16,6 +16,7 @@
     <p:sldId id="259" r:id="rId7"/>
     <p:sldId id="260" r:id="rId8"/>
     <p:sldId id="257" r:id="rId9"/>
+    <p:sldId id="264" r:id="rId10"/>
   </p:sldIdLst>
   <p:sldSz cx="9144000" cy="6858000" type="screen4x3"/>
   <p:notesSz cx="6858000" cy="9144000"/>
@@ -199,7 +200,7 @@
           <a:p>
             <a:fld id="{875B0E6E-DAD4-4227-9808-05C1D716704D}" type="datetimeFigureOut">
               <a:rPr lang="en-US" smtClean="0"/>
-              <a:t>11/16/2015</a:t>
+              <a:t>11/18/2015</a:t>
             </a:fld>
             <a:endParaRPr lang="en-US"/>
           </a:p>
@@ -1502,7 +1503,7 @@
           <a:p>
             <a:fld id="{595688FA-7E8E-4316-9006-6ADC30B3B7D0}" type="datetimeFigureOut">
               <a:rPr lang="en-US" smtClean="0"/>
-              <a:t>11/16/2015</a:t>
+              <a:t>11/18/2015</a:t>
             </a:fld>
             <a:endParaRPr lang="en-US"/>
           </a:p>
@@ -2135,7 +2136,7 @@
           <a:p>
             <a:fld id="{595688FA-7E8E-4316-9006-6ADC30B3B7D0}" type="datetimeFigureOut">
               <a:rPr lang="en-US" smtClean="0"/>
-              <a:t>11/16/2015</a:t>
+              <a:t>11/18/2015</a:t>
             </a:fld>
             <a:endParaRPr lang="en-US"/>
           </a:p>
@@ -2412,7 +2413,7 @@
           <a:p>
             <a:fld id="{595688FA-7E8E-4316-9006-6ADC30B3B7D0}" type="datetimeFigureOut">
               <a:rPr lang="en-US" smtClean="0"/>
-              <a:t>11/16/2015</a:t>
+              <a:t>11/18/2015</a:t>
             </a:fld>
             <a:endParaRPr lang="en-US"/>
           </a:p>
@@ -2577,7 +2578,7 @@
           <a:p>
             <a:fld id="{595688FA-7E8E-4316-9006-6ADC30B3B7D0}" type="datetimeFigureOut">
               <a:rPr lang="en-US" smtClean="0"/>
-              <a:t>11/16/2015</a:t>
+              <a:t>11/18/2015</a:t>
             </a:fld>
             <a:endParaRPr lang="en-US"/>
           </a:p>
@@ -2758,7 +2759,7 @@
           <a:p>
             <a:fld id="{595688FA-7E8E-4316-9006-6ADC30B3B7D0}" type="datetimeFigureOut">
               <a:rPr lang="en-US" smtClean="0"/>
-              <a:t>11/16/2015</a:t>
+              <a:t>11/18/2015</a:t>
             </a:fld>
             <a:endParaRPr lang="en-US"/>
           </a:p>
@@ -3403,7 +3404,7 @@
           <a:p>
             <a:fld id="{595688FA-7E8E-4316-9006-6ADC30B3B7D0}" type="datetimeFigureOut">
               <a:rPr lang="en-US" smtClean="0"/>
-              <a:t>11/16/2015</a:t>
+              <a:t>11/18/2015</a:t>
             </a:fld>
             <a:endParaRPr lang="en-US"/>
           </a:p>
@@ -3829,7 +3830,7 @@
           <a:p>
             <a:fld id="{595688FA-7E8E-4316-9006-6ADC30B3B7D0}" type="datetimeFigureOut">
               <a:rPr lang="en-US" smtClean="0"/>
-              <a:t>11/16/2015</a:t>
+              <a:t>11/18/2015</a:t>
             </a:fld>
             <a:endParaRPr lang="en-US"/>
           </a:p>
@@ -3942,7 +3943,7 @@
           <a:p>
             <a:fld id="{595688FA-7E8E-4316-9006-6ADC30B3B7D0}" type="datetimeFigureOut">
               <a:rPr lang="en-US" smtClean="0"/>
-              <a:t>11/16/2015</a:t>
+              <a:t>11/18/2015</a:t>
             </a:fld>
             <a:endParaRPr lang="en-US"/>
           </a:p>
@@ -4123,7 +4124,7 @@
           <a:p>
             <a:fld id="{595688FA-7E8E-4316-9006-6ADC30B3B7D0}" type="datetimeFigureOut">
               <a:rPr lang="en-US" smtClean="0"/>
-              <a:t>11/16/2015</a:t>
+              <a:t>11/18/2015</a:t>
             </a:fld>
             <a:endParaRPr lang="en-US"/>
           </a:p>
@@ -4389,7 +4390,7 @@
           <a:p>
             <a:fld id="{595688FA-7E8E-4316-9006-6ADC30B3B7D0}" type="datetimeFigureOut">
               <a:rPr lang="en-US" smtClean="0"/>
-              <a:t>11/16/2015</a:t>
+              <a:t>11/18/2015</a:t>
             </a:fld>
             <a:endParaRPr lang="en-US"/>
           </a:p>
@@ -4859,7 +4860,7 @@
           <a:p>
             <a:fld id="{595688FA-7E8E-4316-9006-6ADC30B3B7D0}" type="datetimeFigureOut">
               <a:rPr lang="en-US" smtClean="0"/>
-              <a:t>11/16/2015</a:t>
+              <a:t>11/18/2015</a:t>
             </a:fld>
             <a:endParaRPr lang="en-US"/>
           </a:p>
@@ -5419,7 +5420,7 @@
           <a:p>
             <a:fld id="{595688FA-7E8E-4316-9006-6ADC30B3B7D0}" type="datetimeFigureOut">
               <a:rPr lang="en-US" smtClean="0"/>
-              <a:t>11/16/2015</a:t>
+              <a:t>11/18/2015</a:t>
             </a:fld>
             <a:endParaRPr lang="en-US"/>
           </a:p>
@@ -5968,11 +5969,7 @@
           <a:p>
             <a:r>
               <a:rPr lang="en-US" dirty="0" smtClean="0"/>
-              <a:t>Jacob Bechtel Matt </a:t>
-            </a:r>
-            <a:r>
-              <a:rPr lang="en-US" dirty="0" smtClean="0"/>
-              <a:t>McCarthy</a:t>
+              <a:t>Jacob Bechtel Matt McCarthy</a:t>
             </a:r>
             <a:endParaRPr lang="en-US" dirty="0"/>
           </a:p>
@@ -6087,9 +6084,12 @@
           </a:p>
           <a:p>
             <a:r>
-              <a:rPr lang="en-US" sz="4000" b="1" dirty="0" smtClean="0"/>
+              <a:rPr lang="en-US" sz="4000" b="1" dirty="0" smtClean="0">
+                <a:hlinkClick r:id="rId3"/>
+              </a:rPr>
               <a:t>Maintainability</a:t>
             </a:r>
+            <a:endParaRPr lang="en-US" sz="4000" b="1" dirty="0" smtClean="0"/>
           </a:p>
           <a:p>
             <a:r>
@@ -6827,11 +6827,11 @@
   <p:clrMapOvr>
     <a:masterClrMapping/>
   </p:clrMapOvr>
-  <mc:AlternateContent xmlns:mc="http://schemas.openxmlformats.org/markup-compatibility/2006">
-    <mc:Choice xmlns:p14="http://schemas.microsoft.com/office/powerpoint/2010/main" Requires="p14">
+  <mc:AlternateContent xmlns:mc="http://schemas.openxmlformats.org/markup-compatibility/2006" xmlns:p14="http://schemas.microsoft.com/office/powerpoint/2010/main">
+    <mc:Choice Requires="p14">
       <p:transition spd="slow" p14:dur="2000"/>
     </mc:Choice>
-    <mc:Fallback>
+    <mc:Fallback xmlns="">
       <p:transition spd="slow"/>
     </mc:Fallback>
   </mc:AlternateContent>
@@ -6842,6 +6842,103 @@
       </p:par>
     </p:tnLst>
   </p:timing>
+</p:sld>
+</file>
+
+<file path=ppt/slides/slide9.xml><?xml version="1.0" encoding="utf-8"?>
+<p:sld xmlns:a="http://schemas.openxmlformats.org/drawingml/2006/main" xmlns:r="http://schemas.openxmlformats.org/officeDocument/2006/relationships" xmlns:p="http://schemas.openxmlformats.org/presentationml/2006/main">
+  <p:cSld>
+    <p:spTree>
+      <p:nvGrpSpPr>
+        <p:cNvPr id="1" name=""/>
+        <p:cNvGrpSpPr/>
+        <p:nvPr/>
+      </p:nvGrpSpPr>
+      <p:grpSpPr>
+        <a:xfrm>
+          <a:off x="0" y="0"/>
+          <a:ext cx="0" cy="0"/>
+          <a:chOff x="0" y="0"/>
+          <a:chExt cx="0" cy="0"/>
+        </a:xfrm>
+      </p:grpSpPr>
+      <p:sp>
+        <p:nvSpPr>
+          <p:cNvPr id="2" name="Title 1"/>
+          <p:cNvSpPr>
+            <a:spLocks noGrp="1"/>
+          </p:cNvSpPr>
+          <p:nvPr>
+            <p:ph type="title"/>
+          </p:nvPr>
+        </p:nvSpPr>
+        <p:spPr/>
+        <p:txBody>
+          <a:bodyPr/>
+          <a:lstStyle/>
+          <a:p>
+            <a:r>
+              <a:rPr lang="en-US" dirty="0" smtClean="0"/>
+              <a:t>Sources</a:t>
+            </a:r>
+            <a:endParaRPr lang="en-US" dirty="0"/>
+          </a:p>
+        </p:txBody>
+      </p:sp>
+      <p:sp>
+        <p:nvSpPr>
+          <p:cNvPr id="3" name="Content Placeholder 2"/>
+          <p:cNvSpPr>
+            <a:spLocks noGrp="1"/>
+          </p:cNvSpPr>
+          <p:nvPr>
+            <p:ph idx="1"/>
+          </p:nvPr>
+        </p:nvSpPr>
+        <p:spPr>
+          <a:xfrm>
+            <a:off x="381000" y="1752600"/>
+            <a:ext cx="8382000" cy="4373563"/>
+          </a:xfrm>
+        </p:spPr>
+        <p:txBody>
+          <a:bodyPr/>
+          <a:lstStyle/>
+          <a:p>
+            <a:r>
+              <a:rPr lang="en-US" dirty="0"/>
+              <a:t>http://</a:t>
+            </a:r>
+            <a:r>
+              <a:rPr lang="en-US" dirty="0" smtClean="0"/>
+              <a:t>www.joelonsoftware.com/articles/Wrong.html</a:t>
+            </a:r>
+          </a:p>
+          <a:p>
+            <a:r>
+              <a:rPr lang="en-US" dirty="0" smtClean="0"/>
+              <a:t>API Design for C++, Martin Reddy</a:t>
+            </a:r>
+          </a:p>
+          <a:p>
+            <a:r>
+              <a:rPr lang="en-US" dirty="0" smtClean="0"/>
+              <a:t>Essentials of Software Engineering, </a:t>
+            </a:r>
+            <a:endParaRPr lang="en-US" dirty="0"/>
+          </a:p>
+        </p:txBody>
+      </p:sp>
+    </p:spTree>
+    <p:extLst>
+      <p:ext uri="{BB962C8B-B14F-4D97-AF65-F5344CB8AC3E}">
+        <p14:creationId xmlns:p14="http://schemas.microsoft.com/office/powerpoint/2010/main" val="3345899371"/>
+      </p:ext>
+    </p:extLst>
+  </p:cSld>
+  <p:clrMapOvr>
+    <a:masterClrMapping/>
+  </p:clrMapOvr>
 </p:sld>
 </file>
 

--- a/presentation/PresentAPIFinal.pptx
+++ b/presentation/PresentAPIFinal.pptx
@@ -19,7 +19,7 @@
     <p:sldId id="264" r:id="rId10"/>
   </p:sldIdLst>
   <p:sldSz cx="9144000" cy="6858000" type="screen4x3"/>
-  <p:notesSz cx="6858000" cy="9144000"/>
+  <p:notesSz cx="7315200" cy="9601200"/>
   <p:defaultTextStyle>
     <a:defPPr>
       <a:defRPr lang="en-US"/>
@@ -153,17 +153,17 @@
         <p:spPr>
           <a:xfrm>
             <a:off x="0" y="0"/>
-            <a:ext cx="2971800" cy="457200"/>
+            <a:ext cx="3169920" cy="480060"/>
           </a:xfrm>
           <a:prstGeom prst="rect">
             <a:avLst/>
           </a:prstGeom>
         </p:spPr>
         <p:txBody>
-          <a:bodyPr vert="horz" lIns="91440" tIns="45720" rIns="91440" bIns="45720" rtlCol="0"/>
+          <a:bodyPr vert="horz" lIns="96661" tIns="48331" rIns="96661" bIns="48331" rtlCol="0"/>
           <a:lstStyle>
             <a:lvl1pPr algn="l">
-              <a:defRPr sz="1200"/>
+              <a:defRPr sz="1300"/>
             </a:lvl1pPr>
           </a:lstStyle>
           <a:p>
@@ -183,24 +183,24 @@
         </p:nvSpPr>
         <p:spPr>
           <a:xfrm>
-            <a:off x="3884613" y="0"/>
-            <a:ext cx="2971800" cy="457200"/>
+            <a:off x="4143587" y="0"/>
+            <a:ext cx="3169920" cy="480060"/>
           </a:xfrm>
           <a:prstGeom prst="rect">
             <a:avLst/>
           </a:prstGeom>
         </p:spPr>
         <p:txBody>
-          <a:bodyPr vert="horz" lIns="91440" tIns="45720" rIns="91440" bIns="45720" rtlCol="0"/>
+          <a:bodyPr vert="horz" lIns="96661" tIns="48331" rIns="96661" bIns="48331" rtlCol="0"/>
           <a:lstStyle>
             <a:lvl1pPr algn="r">
-              <a:defRPr sz="1200"/>
+              <a:defRPr sz="1300"/>
             </a:lvl1pPr>
           </a:lstStyle>
           <a:p>
             <a:fld id="{875B0E6E-DAD4-4227-9808-05C1D716704D}" type="datetimeFigureOut">
               <a:rPr lang="en-US" smtClean="0"/>
-              <a:t>11/18/2015</a:t>
+              <a:t>11/19/2015</a:t>
             </a:fld>
             <a:endParaRPr lang="en-US"/>
           </a:p>
@@ -218,8 +218,8 @@
         </p:nvSpPr>
         <p:spPr>
           <a:xfrm>
-            <a:off x="1143000" y="685800"/>
-            <a:ext cx="4572000" cy="3429000"/>
+            <a:off x="1257300" y="720725"/>
+            <a:ext cx="4800600" cy="3600450"/>
           </a:xfrm>
           <a:prstGeom prst="rect">
             <a:avLst/>
@@ -232,7 +232,7 @@
           </a:ln>
         </p:spPr>
         <p:txBody>
-          <a:bodyPr vert="horz" lIns="91440" tIns="45720" rIns="91440" bIns="45720" rtlCol="0" anchor="ctr"/>
+          <a:bodyPr vert="horz" lIns="96661" tIns="48331" rIns="96661" bIns="48331" rtlCol="0" anchor="ctr"/>
           <a:lstStyle/>
           <a:p>
             <a:endParaRPr lang="en-US"/>
@@ -251,15 +251,15 @@
         </p:nvSpPr>
         <p:spPr>
           <a:xfrm>
-            <a:off x="685800" y="4343400"/>
-            <a:ext cx="5486400" cy="4114800"/>
+            <a:off x="731520" y="4560570"/>
+            <a:ext cx="5852160" cy="4320540"/>
           </a:xfrm>
           <a:prstGeom prst="rect">
             <a:avLst/>
           </a:prstGeom>
         </p:spPr>
         <p:txBody>
-          <a:bodyPr vert="horz" lIns="91440" tIns="45720" rIns="91440" bIns="45720" rtlCol="0"/>
+          <a:bodyPr vert="horz" lIns="96661" tIns="48331" rIns="96661" bIns="48331" rtlCol="0"/>
           <a:lstStyle/>
           <a:p>
             <a:pPr lvl="0"/>
@@ -311,18 +311,18 @@
         </p:nvSpPr>
         <p:spPr>
           <a:xfrm>
-            <a:off x="0" y="8685213"/>
-            <a:ext cx="2971800" cy="457200"/>
+            <a:off x="0" y="9119474"/>
+            <a:ext cx="3169920" cy="480060"/>
           </a:xfrm>
           <a:prstGeom prst="rect">
             <a:avLst/>
           </a:prstGeom>
         </p:spPr>
         <p:txBody>
-          <a:bodyPr vert="horz" lIns="91440" tIns="45720" rIns="91440" bIns="45720" rtlCol="0" anchor="b"/>
+          <a:bodyPr vert="horz" lIns="96661" tIns="48331" rIns="96661" bIns="48331" rtlCol="0" anchor="b"/>
           <a:lstStyle>
             <a:lvl1pPr algn="l">
-              <a:defRPr sz="1200"/>
+              <a:defRPr sz="1300"/>
             </a:lvl1pPr>
           </a:lstStyle>
           <a:p>
@@ -342,18 +342,18 @@
         </p:nvSpPr>
         <p:spPr>
           <a:xfrm>
-            <a:off x="3884613" y="8685213"/>
-            <a:ext cx="2971800" cy="457200"/>
+            <a:off x="4143587" y="9119474"/>
+            <a:ext cx="3169920" cy="480060"/>
           </a:xfrm>
           <a:prstGeom prst="rect">
             <a:avLst/>
           </a:prstGeom>
         </p:spPr>
         <p:txBody>
-          <a:bodyPr vert="horz" lIns="91440" tIns="45720" rIns="91440" bIns="45720" rtlCol="0" anchor="b"/>
+          <a:bodyPr vert="horz" lIns="96661" tIns="48331" rIns="96661" bIns="48331" rtlCol="0" anchor="b"/>
           <a:lstStyle>
             <a:lvl1pPr algn="r">
-              <a:defRPr sz="1200"/>
+              <a:defRPr sz="1300"/>
             </a:lvl1pPr>
           </a:lstStyle>
           <a:p>
@@ -648,8 +648,8 @@
         </p:blipFill>
         <p:spPr bwMode="auto">
           <a:xfrm>
-            <a:off x="762000" y="4724400"/>
-            <a:ext cx="5410200" cy="2198838"/>
+            <a:off x="812800" y="4960620"/>
+            <a:ext cx="5770880" cy="2308780"/>
           </a:xfrm>
           <a:prstGeom prst="rect">
             <a:avLst/>
@@ -1378,6 +1378,90 @@
 </p:notes>
 </file>
 
+<file path=ppt/notesSlides/notesSlide9.xml><?xml version="1.0" encoding="utf-8"?>
+<p:notes xmlns:a="http://schemas.openxmlformats.org/drawingml/2006/main" xmlns:r="http://schemas.openxmlformats.org/officeDocument/2006/relationships" xmlns:p="http://schemas.openxmlformats.org/presentationml/2006/main">
+  <p:cSld>
+    <p:spTree>
+      <p:nvGrpSpPr>
+        <p:cNvPr id="1" name=""/>
+        <p:cNvGrpSpPr/>
+        <p:nvPr/>
+      </p:nvGrpSpPr>
+      <p:grpSpPr>
+        <a:xfrm>
+          <a:off x="0" y="0"/>
+          <a:ext cx="0" cy="0"/>
+          <a:chOff x="0" y="0"/>
+          <a:chExt cx="0" cy="0"/>
+        </a:xfrm>
+      </p:grpSpPr>
+      <p:sp>
+        <p:nvSpPr>
+          <p:cNvPr id="2" name="Slide Image Placeholder 1"/>
+          <p:cNvSpPr>
+            <a:spLocks noGrp="1" noRot="1" noChangeAspect="1"/>
+          </p:cNvSpPr>
+          <p:nvPr>
+            <p:ph type="sldImg"/>
+          </p:nvPr>
+        </p:nvSpPr>
+        <p:spPr/>
+      </p:sp>
+      <p:sp>
+        <p:nvSpPr>
+          <p:cNvPr id="3" name="Notes Placeholder 2"/>
+          <p:cNvSpPr>
+            <a:spLocks noGrp="1"/>
+          </p:cNvSpPr>
+          <p:nvPr>
+            <p:ph type="body" idx="1"/>
+          </p:nvPr>
+        </p:nvSpPr>
+        <p:spPr/>
+        <p:txBody>
+          <a:bodyPr/>
+          <a:lstStyle/>
+          <a:p>
+            <a:endParaRPr lang="en-US"/>
+          </a:p>
+        </p:txBody>
+      </p:sp>
+      <p:sp>
+        <p:nvSpPr>
+          <p:cNvPr id="4" name="Slide Number Placeholder 3"/>
+          <p:cNvSpPr>
+            <a:spLocks noGrp="1"/>
+          </p:cNvSpPr>
+          <p:nvPr>
+            <p:ph type="sldNum" sz="quarter" idx="10"/>
+          </p:nvPr>
+        </p:nvSpPr>
+        <p:spPr/>
+        <p:txBody>
+          <a:bodyPr/>
+          <a:lstStyle/>
+          <a:p>
+            <a:fld id="{13AD94AB-CE71-4205-859B-DD25A4D77540}" type="slidenum">
+              <a:rPr lang="en-US" smtClean="0"/>
+              <a:t>9</a:t>
+            </a:fld>
+            <a:endParaRPr lang="en-US"/>
+          </a:p>
+        </p:txBody>
+      </p:sp>
+    </p:spTree>
+    <p:extLst>
+      <p:ext uri="{BB962C8B-B14F-4D97-AF65-F5344CB8AC3E}">
+        <p14:creationId xmlns:p14="http://schemas.microsoft.com/office/powerpoint/2010/main" val="3901478949"/>
+      </p:ext>
+    </p:extLst>
+  </p:cSld>
+  <p:clrMapOvr>
+    <a:masterClrMapping/>
+  </p:clrMapOvr>
+</p:notes>
+</file>
+
 <file path=ppt/slideLayouts/slideLayout1.xml><?xml version="1.0" encoding="utf-8"?>
 <p:sldLayout xmlns:a="http://schemas.openxmlformats.org/drawingml/2006/main" xmlns:r="http://schemas.openxmlformats.org/officeDocument/2006/relationships" xmlns:p="http://schemas.openxmlformats.org/presentationml/2006/main" showMasterSp="0" type="title" preserve="1">
   <p:cSld name="Title Slide">
@@ -1503,7 +1587,7 @@
           <a:p>
             <a:fld id="{595688FA-7E8E-4316-9006-6ADC30B3B7D0}" type="datetimeFigureOut">
               <a:rPr lang="en-US" smtClean="0"/>
-              <a:t>11/18/2015</a:t>
+              <a:t>11/19/2015</a:t>
             </a:fld>
             <a:endParaRPr lang="en-US"/>
           </a:p>
@@ -2136,7 +2220,7 @@
           <a:p>
             <a:fld id="{595688FA-7E8E-4316-9006-6ADC30B3B7D0}" type="datetimeFigureOut">
               <a:rPr lang="en-US" smtClean="0"/>
-              <a:t>11/18/2015</a:t>
+              <a:t>11/19/2015</a:t>
             </a:fld>
             <a:endParaRPr lang="en-US"/>
           </a:p>
@@ -2413,7 +2497,7 @@
           <a:p>
             <a:fld id="{595688FA-7E8E-4316-9006-6ADC30B3B7D0}" type="datetimeFigureOut">
               <a:rPr lang="en-US" smtClean="0"/>
-              <a:t>11/18/2015</a:t>
+              <a:t>11/19/2015</a:t>
             </a:fld>
             <a:endParaRPr lang="en-US"/>
           </a:p>
@@ -2578,7 +2662,7 @@
           <a:p>
             <a:fld id="{595688FA-7E8E-4316-9006-6ADC30B3B7D0}" type="datetimeFigureOut">
               <a:rPr lang="en-US" smtClean="0"/>
-              <a:t>11/18/2015</a:t>
+              <a:t>11/19/2015</a:t>
             </a:fld>
             <a:endParaRPr lang="en-US"/>
           </a:p>
@@ -2759,7 +2843,7 @@
           <a:p>
             <a:fld id="{595688FA-7E8E-4316-9006-6ADC30B3B7D0}" type="datetimeFigureOut">
               <a:rPr lang="en-US" smtClean="0"/>
-              <a:t>11/18/2015</a:t>
+              <a:t>11/19/2015</a:t>
             </a:fld>
             <a:endParaRPr lang="en-US"/>
           </a:p>
@@ -3404,7 +3488,7 @@
           <a:p>
             <a:fld id="{595688FA-7E8E-4316-9006-6ADC30B3B7D0}" type="datetimeFigureOut">
               <a:rPr lang="en-US" smtClean="0"/>
-              <a:t>11/18/2015</a:t>
+              <a:t>11/19/2015</a:t>
             </a:fld>
             <a:endParaRPr lang="en-US"/>
           </a:p>
@@ -3830,7 +3914,7 @@
           <a:p>
             <a:fld id="{595688FA-7E8E-4316-9006-6ADC30B3B7D0}" type="datetimeFigureOut">
               <a:rPr lang="en-US" smtClean="0"/>
-              <a:t>11/18/2015</a:t>
+              <a:t>11/19/2015</a:t>
             </a:fld>
             <a:endParaRPr lang="en-US"/>
           </a:p>
@@ -3943,7 +4027,7 @@
           <a:p>
             <a:fld id="{595688FA-7E8E-4316-9006-6ADC30B3B7D0}" type="datetimeFigureOut">
               <a:rPr lang="en-US" smtClean="0"/>
-              <a:t>11/18/2015</a:t>
+              <a:t>11/19/2015</a:t>
             </a:fld>
             <a:endParaRPr lang="en-US"/>
           </a:p>
@@ -4124,7 +4208,7 @@
           <a:p>
             <a:fld id="{595688FA-7E8E-4316-9006-6ADC30B3B7D0}" type="datetimeFigureOut">
               <a:rPr lang="en-US" smtClean="0"/>
-              <a:t>11/18/2015</a:t>
+              <a:t>11/19/2015</a:t>
             </a:fld>
             <a:endParaRPr lang="en-US"/>
           </a:p>
@@ -4390,7 +4474,7 @@
           <a:p>
             <a:fld id="{595688FA-7E8E-4316-9006-6ADC30B3B7D0}" type="datetimeFigureOut">
               <a:rPr lang="en-US" smtClean="0"/>
-              <a:t>11/18/2015</a:t>
+              <a:t>11/19/2015</a:t>
             </a:fld>
             <a:endParaRPr lang="en-US"/>
           </a:p>
@@ -4860,7 +4944,7 @@
           <a:p>
             <a:fld id="{595688FA-7E8E-4316-9006-6ADC30B3B7D0}" type="datetimeFigureOut">
               <a:rPr lang="en-US" smtClean="0"/>
-              <a:t>11/18/2015</a:t>
+              <a:t>11/19/2015</a:t>
             </a:fld>
             <a:endParaRPr lang="en-US"/>
           </a:p>
@@ -5420,7 +5504,7 @@
           <a:p>
             <a:fld id="{595688FA-7E8E-4316-9006-6ADC30B3B7D0}" type="datetimeFigureOut">
               <a:rPr lang="en-US" smtClean="0"/>
-              <a:t>11/18/2015</a:t>
+              <a:t>11/19/2015</a:t>
             </a:fld>
             <a:endParaRPr lang="en-US"/>
           </a:p>
